--- a/thesisPresentation/Thesis - Time series analysis.pptx
+++ b/thesisPresentation/Thesis - Time series analysis.pptx
@@ -282,11 +282,11 @@
         </c:dLbls>
         <c:marker val="1"/>
         <c:smooth val="0"/>
-        <c:axId val="22886592"/>
-        <c:axId val="22882240"/>
+        <c:axId val="-1579661696"/>
+        <c:axId val="-1579661152"/>
       </c:lineChart>
       <c:catAx>
-        <c:axId val="22886592"/>
+        <c:axId val="-1579661696"/>
         <c:scaling>
           <c:orientation val="minMax"/>
         </c:scaling>
@@ -329,7 +329,7 @@
             <a:endParaRPr lang="en-US"/>
           </a:p>
         </c:txPr>
-        <c:crossAx val="22882240"/>
+        <c:crossAx val="-1579661152"/>
         <c:crosses val="autoZero"/>
         <c:auto val="1"/>
         <c:lblAlgn val="ctr"/>
@@ -337,7 +337,7 @@
         <c:noMultiLvlLbl val="0"/>
       </c:catAx>
       <c:valAx>
-        <c:axId val="22882240"/>
+        <c:axId val="-1579661152"/>
         <c:scaling>
           <c:orientation val="minMax"/>
         </c:scaling>
@@ -388,7 +388,7 @@
             <a:endParaRPr lang="en-US"/>
           </a:p>
         </c:txPr>
-        <c:crossAx val="22886592"/>
+        <c:crossAx val="-1579661696"/>
         <c:crosses val="autoZero"/>
         <c:crossBetween val="between"/>
       </c:valAx>
@@ -635,11 +635,11 @@
         </c:dLbls>
         <c:marker val="1"/>
         <c:smooth val="0"/>
-        <c:axId val="22881152"/>
-        <c:axId val="22871360"/>
+        <c:axId val="-1579655712"/>
+        <c:axId val="-1579667680"/>
       </c:lineChart>
       <c:catAx>
-        <c:axId val="22881152"/>
+        <c:axId val="-1579655712"/>
         <c:scaling>
           <c:orientation val="minMax"/>
         </c:scaling>
@@ -682,7 +682,7 @@
             <a:endParaRPr lang="en-US"/>
           </a:p>
         </c:txPr>
-        <c:crossAx val="22871360"/>
+        <c:crossAx val="-1579667680"/>
         <c:crosses val="autoZero"/>
         <c:auto val="1"/>
         <c:lblAlgn val="ctr"/>
@@ -690,7 +690,7 @@
         <c:noMultiLvlLbl val="0"/>
       </c:catAx>
       <c:valAx>
-        <c:axId val="22871360"/>
+        <c:axId val="-1579667680"/>
         <c:scaling>
           <c:orientation val="minMax"/>
           <c:max val="50"/>
@@ -800,7 +800,7 @@
             <a:endParaRPr lang="en-US"/>
           </a:p>
         </c:txPr>
-        <c:crossAx val="22881152"/>
+        <c:crossAx val="-1579655712"/>
         <c:crosses val="autoZero"/>
         <c:crossBetween val="between"/>
       </c:valAx>
@@ -2007,7 +2007,7 @@
           <a:p>
             <a:fld id="{390D5725-AFFE-4E56-89F4-AFE2BF45C137}" type="datetimeFigureOut">
               <a:rPr lang="en-US"/>
-              <a:t>6/29/2016</a:t>
+              <a:t>7/4/2016</a:t>
             </a:fld>
             <a:endParaRPr lang="en-US"/>
           </a:p>
@@ -2571,7 +2571,7 @@
           <a:p>
             <a:fld id="{F1FA7AC5-6045-4418-8E60-F48788734473}" type="datetimeFigureOut">
               <a:rPr lang="en-US" smtClean="0"/>
-              <a:t>6/29/2016</a:t>
+              <a:t>7/4/2016</a:t>
             </a:fld>
             <a:endParaRPr lang="en-US"/>
           </a:p>
@@ -2739,7 +2739,7 @@
           <a:p>
             <a:fld id="{F1FA7AC5-6045-4418-8E60-F48788734473}" type="datetimeFigureOut">
               <a:rPr lang="en-US" smtClean="0"/>
-              <a:t>6/29/2016</a:t>
+              <a:t>7/4/2016</a:t>
             </a:fld>
             <a:endParaRPr lang="en-US"/>
           </a:p>
@@ -2917,7 +2917,7 @@
           <a:p>
             <a:fld id="{F1FA7AC5-6045-4418-8E60-F48788734473}" type="datetimeFigureOut">
               <a:rPr lang="en-US" smtClean="0"/>
-              <a:t>6/29/2016</a:t>
+              <a:t>7/4/2016</a:t>
             </a:fld>
             <a:endParaRPr lang="en-US"/>
           </a:p>
@@ -3085,7 +3085,7 @@
           <a:p>
             <a:fld id="{F1FA7AC5-6045-4418-8E60-F48788734473}" type="datetimeFigureOut">
               <a:rPr lang="en-US" smtClean="0"/>
-              <a:t>6/29/2016</a:t>
+              <a:t>7/4/2016</a:t>
             </a:fld>
             <a:endParaRPr lang="en-US"/>
           </a:p>
@@ -3330,7 +3330,7 @@
           <a:p>
             <a:fld id="{F1FA7AC5-6045-4418-8E60-F48788734473}" type="datetimeFigureOut">
               <a:rPr lang="en-US" smtClean="0"/>
-              <a:t>6/29/2016</a:t>
+              <a:t>7/4/2016</a:t>
             </a:fld>
             <a:endParaRPr lang="en-US"/>
           </a:p>
@@ -3559,7 +3559,7 @@
           <a:p>
             <a:fld id="{F1FA7AC5-6045-4418-8E60-F48788734473}" type="datetimeFigureOut">
               <a:rPr lang="en-US" smtClean="0"/>
-              <a:t>6/29/2016</a:t>
+              <a:t>7/4/2016</a:t>
             </a:fld>
             <a:endParaRPr lang="en-US"/>
           </a:p>
@@ -3923,7 +3923,7 @@
           <a:p>
             <a:fld id="{F1FA7AC5-6045-4418-8E60-F48788734473}" type="datetimeFigureOut">
               <a:rPr lang="en-US" smtClean="0"/>
-              <a:t>6/29/2016</a:t>
+              <a:t>7/4/2016</a:t>
             </a:fld>
             <a:endParaRPr lang="en-US"/>
           </a:p>
@@ -4040,7 +4040,7 @@
           <a:p>
             <a:fld id="{F1FA7AC5-6045-4418-8E60-F48788734473}" type="datetimeFigureOut">
               <a:rPr lang="en-US" smtClean="0"/>
-              <a:t>6/29/2016</a:t>
+              <a:t>7/4/2016</a:t>
             </a:fld>
             <a:endParaRPr lang="en-US"/>
           </a:p>
@@ -4135,7 +4135,7 @@
           <a:p>
             <a:fld id="{F1FA7AC5-6045-4418-8E60-F48788734473}" type="datetimeFigureOut">
               <a:rPr lang="en-US" smtClean="0"/>
-              <a:t>6/29/2016</a:t>
+              <a:t>7/4/2016</a:t>
             </a:fld>
             <a:endParaRPr lang="en-US"/>
           </a:p>
@@ -4410,7 +4410,7 @@
           <a:p>
             <a:fld id="{F1FA7AC5-6045-4418-8E60-F48788734473}" type="datetimeFigureOut">
               <a:rPr lang="en-US" smtClean="0"/>
-              <a:t>6/29/2016</a:t>
+              <a:t>7/4/2016</a:t>
             </a:fld>
             <a:endParaRPr lang="en-US"/>
           </a:p>
@@ -4662,7 +4662,7 @@
           <a:p>
             <a:fld id="{F1FA7AC5-6045-4418-8E60-F48788734473}" type="datetimeFigureOut">
               <a:rPr lang="en-US" smtClean="0"/>
-              <a:t>6/29/2016</a:t>
+              <a:t>7/4/2016</a:t>
             </a:fld>
             <a:endParaRPr lang="en-US"/>
           </a:p>
@@ -4873,7 +4873,7 @@
           <a:p>
             <a:fld id="{F1FA7AC5-6045-4418-8E60-F48788734473}" type="datetimeFigureOut">
               <a:rPr lang="en-US" smtClean="0"/>
-              <a:t>6/29/2016</a:t>
+              <a:t>7/4/2016</a:t>
             </a:fld>
             <a:endParaRPr lang="en-US"/>
           </a:p>
@@ -5519,17 +5519,8 @@
           <a:p>
             <a:r>
               <a:rPr lang="en-IN" dirty="0" smtClean="0"/>
-              <a:t>Retail Price </a:t>
-            </a:r>
-            <a:r>
-              <a:rPr lang="en-IN" dirty="0" smtClean="0"/>
-              <a:t>vs Average </a:t>
-            </a:r>
-            <a:r>
-              <a:rPr lang="en-IN" dirty="0" smtClean="0"/>
-              <a:t>Retail Price:</a:t>
-            </a:r>
-            <a:endParaRPr lang="en-IN" dirty="0" smtClean="0"/>
+              <a:t>Retail Price vs Average Retail Price:</a:t>
+            </a:r>
           </a:p>
           <a:p>
             <a:pPr marL="285750" indent="-285750">
@@ -5850,23 +5841,7 @@
           <a:p>
             <a:r>
               <a:rPr lang="en-IN" dirty="0" smtClean="0"/>
-              <a:t>Mumbai – August 2013, </a:t>
-            </a:r>
-            <a:r>
-              <a:rPr lang="en-IN" dirty="0" smtClean="0"/>
-              <a:t>Retail Price </a:t>
-            </a:r>
-            <a:r>
-              <a:rPr lang="en-IN" dirty="0" smtClean="0"/>
-              <a:t>vs Average </a:t>
-            </a:r>
-            <a:r>
-              <a:rPr lang="en-IN" dirty="0" smtClean="0"/>
-              <a:t>Retail Price </a:t>
-            </a:r>
-            <a:r>
-              <a:rPr lang="en-IN" dirty="0" smtClean="0"/>
-              <a:t>Analysis</a:t>
+              <a:t>Mumbai – August 2013, Retail Price vs Average Retail Price Analysis</a:t>
             </a:r>
             <a:endParaRPr lang="en-IN" dirty="0"/>
           </a:p>
@@ -6853,15 +6828,7 @@
                       <a:pPr algn="ctr"/>
                       <a:r>
                         <a:rPr lang="en-IN" dirty="0" smtClean="0"/>
-                        <a:t>Retail Price </a:t>
-                      </a:r>
-                      <a:r>
-                        <a:rPr lang="en-IN" dirty="0" smtClean="0"/>
-                        <a:t>vs Average </a:t>
-                      </a:r>
-                      <a:r>
-                        <a:rPr lang="en-IN" dirty="0" smtClean="0"/>
-                        <a:t>Retail Price</a:t>
+                        <a:t>Retail Price vs Average Retail Price</a:t>
                       </a:r>
                       <a:endParaRPr lang="en-IN" dirty="0"/>
                     </a:p>
@@ -6908,11 +6875,7 @@
                       <a:pPr algn="ctr"/>
                       <a:r>
                         <a:rPr lang="en-IN" dirty="0" smtClean="0"/>
-                        <a:t>Retail Price </a:t>
-                      </a:r>
-                      <a:r>
-                        <a:rPr lang="en-IN" dirty="0" smtClean="0"/>
-                        <a:t>vs Arrival</a:t>
+                        <a:t>Retail Price vs Arrival</a:t>
                       </a:r>
                       <a:endParaRPr lang="en-IN" dirty="0"/>
                     </a:p>
@@ -6959,15 +6922,7 @@
                       <a:pPr algn="ctr"/>
                       <a:r>
                         <a:rPr lang="en-IN" dirty="0" smtClean="0"/>
-                        <a:t>Retail Price </a:t>
-                      </a:r>
-                      <a:r>
-                        <a:rPr lang="en-IN" dirty="0" smtClean="0"/>
-                        <a:t>vs </a:t>
-                      </a:r>
-                      <a:r>
-                        <a:rPr lang="en-IN" dirty="0" smtClean="0"/>
-                        <a:t>Wholesale Price</a:t>
+                        <a:t>Retail Price vs Wholesale Price</a:t>
                       </a:r>
                       <a:endParaRPr lang="en-IN" dirty="0"/>
                     </a:p>
@@ -7018,11 +6973,7 @@
                       </a:r>
                       <a:r>
                         <a:rPr lang="en-IN" baseline="0" dirty="0" smtClean="0"/>
-                        <a:t> </a:t>
-                      </a:r>
-                      <a:r>
-                        <a:rPr lang="en-IN" baseline="0" dirty="0" smtClean="0"/>
-                        <a:t>vs Arrival</a:t>
+                        <a:t> vs Arrival</a:t>
                       </a:r>
                       <a:endParaRPr lang="en-IN" dirty="0"/>
                     </a:p>
@@ -7092,15 +7043,7 @@
             </a:pPr>
             <a:r>
               <a:rPr lang="en-IN" dirty="0" smtClean="0"/>
-              <a:t>Low anomalies reported for </a:t>
-            </a:r>
-            <a:r>
-              <a:rPr lang="en-IN" dirty="0" smtClean="0"/>
-              <a:t>Retail Price </a:t>
-            </a:r>
-            <a:r>
-              <a:rPr lang="en-IN" dirty="0" smtClean="0"/>
-              <a:t>vs Average =&gt; Centres move in tandem</a:t>
+              <a:t>Low anomalies reported for Retail Price vs Average =&gt; Centres move in tandem</a:t>
             </a:r>
           </a:p>
           <a:p>
@@ -7110,23 +7053,7 @@
             </a:pPr>
             <a:r>
               <a:rPr lang="en-IN" dirty="0" smtClean="0"/>
-              <a:t>Low </a:t>
-            </a:r>
-            <a:r>
-              <a:rPr lang="en-IN" dirty="0" smtClean="0"/>
-              <a:t>Retail Price </a:t>
-            </a:r>
-            <a:r>
-              <a:rPr lang="en-IN" dirty="0" smtClean="0"/>
-              <a:t>vs Wholesale </a:t>
-            </a:r>
-            <a:r>
-              <a:rPr lang="en-IN" dirty="0" smtClean="0"/>
-              <a:t>Price =&gt; </a:t>
-            </a:r>
-            <a:r>
-              <a:rPr lang="en-IN" dirty="0" smtClean="0"/>
-              <a:t>Retail moves in sync with wholesale</a:t>
+              <a:t>Low Retail Price vs Wholesale Price =&gt; Retail moves in sync with wholesale</a:t>
             </a:r>
           </a:p>
           <a:p>
@@ -10044,7 +9971,7 @@
         <p:spPr>
           <a:xfrm>
             <a:off x="5421352" y="1832356"/>
-            <a:ext cx="6386235" cy="1200329"/>
+            <a:ext cx="6493637" cy="1200329"/>
           </a:xfrm>
           <a:prstGeom prst="rect">
             <a:avLst/>
@@ -10106,8 +10033,16 @@
               <a:t>and </a:t>
             </a:r>
             <a:r>
+              <a:rPr lang="en-IN" dirty="0" smtClean="0"/>
+              <a:t>10</a:t>
+            </a:r>
+            <a:r>
+              <a:rPr lang="en-IN" dirty="0" smtClean="0"/>
+              <a:t> </a:t>
+            </a:r>
+            <a:r>
               <a:rPr lang="en-IN" dirty="0"/>
-              <a:t>4 as Slope Based Window</a:t>
+              <a:t>as Slope Based Window</a:t>
             </a:r>
           </a:p>
           <a:p>
@@ -10154,11 +10089,7 @@
           <a:p>
             <a:r>
               <a:rPr lang="en-IN" dirty="0" smtClean="0"/>
-              <a:t>1-Retail </a:t>
-            </a:r>
-            <a:r>
-              <a:rPr lang="en-IN" dirty="0" smtClean="0"/>
-              <a:t>Price vs </a:t>
+              <a:t>1-Retail Price vs </a:t>
             </a:r>
             <a:r>
               <a:rPr lang="en-IN" dirty="0"/>
@@ -10166,34 +10097,13 @@
             </a:r>
             <a:r>
               <a:rPr lang="en-IN" dirty="0" smtClean="0"/>
-              <a:t>Retail </a:t>
-            </a:r>
+              <a:t>Retail Price</a:t>
+            </a:r>
+          </a:p>
+          <a:p>
             <a:r>
               <a:rPr lang="en-IN" dirty="0" smtClean="0"/>
-              <a:t>Price</a:t>
-            </a:r>
-            <a:endParaRPr lang="en-IN" dirty="0" smtClean="0"/>
-          </a:p>
-          <a:p>
-            <a:r>
-              <a:rPr lang="en-IN" dirty="0" smtClean="0"/>
-              <a:t>2-Retail </a:t>
-            </a:r>
-            <a:r>
-              <a:rPr lang="en-IN" dirty="0" smtClean="0"/>
-              <a:t>Pric</a:t>
-            </a:r>
-            <a:r>
-              <a:rPr lang="en-IN" dirty="0" smtClean="0"/>
-              <a:t>e </a:t>
-            </a:r>
-            <a:r>
-              <a:rPr lang="en-IN" dirty="0" smtClean="0"/>
-              <a:t>vs </a:t>
-            </a:r>
-            <a:r>
-              <a:rPr lang="en-IN" dirty="0" smtClean="0"/>
-              <a:t>Arrival</a:t>
+              <a:t>2-Retail Price vs Arrival</a:t>
             </a:r>
           </a:p>
           <a:p>
@@ -10205,20 +10115,11 @@
               <a:rPr lang="en-IN" dirty="0"/>
               <a:t>Price vs Wholesale Price </a:t>
             </a:r>
-            <a:endParaRPr lang="en-IN" dirty="0"/>
           </a:p>
           <a:p>
             <a:r>
               <a:rPr lang="en-IN" dirty="0"/>
-              <a:t>4-Wholesale </a:t>
-            </a:r>
-            <a:r>
-              <a:rPr lang="en-IN" dirty="0"/>
-              <a:t>Price vs </a:t>
-            </a:r>
-            <a:r>
-              <a:rPr lang="en-IN" dirty="0"/>
-              <a:t>Arrival</a:t>
+              <a:t>4-Wholesale Price vs Arrival</a:t>
             </a:r>
           </a:p>
         </p:txBody>
@@ -12688,15 +12589,7 @@
             </a:pPr>
             <a:r>
               <a:rPr lang="en-IN" dirty="0" smtClean="0"/>
-              <a:t>Retail </a:t>
-            </a:r>
-            <a:r>
-              <a:rPr lang="en-IN" dirty="0" smtClean="0"/>
-              <a:t>price continued </a:t>
-            </a:r>
-            <a:r>
-              <a:rPr lang="en-IN" dirty="0" smtClean="0"/>
-              <a:t>to show increase despite decrease in arrival </a:t>
+              <a:t>Retail price continued to show increase despite decrease in arrival </a:t>
             </a:r>
             <a:endParaRPr lang="en-IN" dirty="0"/>
           </a:p>
@@ -12854,11 +12747,7 @@
             </a:pPr>
             <a:r>
               <a:rPr lang="en-IN" dirty="0" smtClean="0"/>
-              <a:t>The rate at which retail prices raised was not seen in case of </a:t>
-            </a:r>
-            <a:r>
-              <a:rPr lang="en-IN" dirty="0" smtClean="0"/>
-              <a:t>wholesale price</a:t>
+              <a:t>The rate at which retail prices raised was not seen in case of wholesale price</a:t>
             </a:r>
             <a:endParaRPr lang="en-IN" dirty="0"/>
           </a:p>
